--- a/RDMA_BENCH/QP_PU_test/multi-queue-accelerating-effect.pptx
+++ b/RDMA_BENCH/QP_PU_test/multi-queue-accelerating-effect.pptx
@@ -105,6 +105,11 @@
       </a:defRPr>
     </a:lvl9pPr>
   </p:defaultTextStyle>
+  <p:extLst>
+    <p:ext uri="{EFAFB233-063F-42B5-8137-9DF3F51BA10A}">
+      <p15:sldGuideLst xmlns:p15="http://schemas.microsoft.com/office/powerpoint/2012/main"/>
+    </p:ext>
+  </p:extLst>
 </p:presentation>
 </file>
 
@@ -2991,7 +2996,11 @@
             </a:r>
             <a:r>
               <a:rPr lang="zh-CN" altLang="en-US" dirty="0" smtClean="0"/>
-              <a:t>对任务的加速效果</a:t>
+              <a:t>对不同数据块的</a:t>
+            </a:r>
+            <a:r>
+              <a:rPr lang="zh-CN" altLang="en-US" dirty="0" smtClean="0"/>
+              <a:t>加速效果</a:t>
             </a:r>
             <a:endParaRPr lang="zh-CN" altLang="en-US" dirty="0"/>
           </a:p>
@@ -3077,8 +3086,8 @@
         </p:nvSpPr>
         <p:spPr>
           <a:xfrm>
-            <a:off x="940940" y="4650012"/>
-            <a:ext cx="1549527" cy="369332"/>
+            <a:off x="170382" y="4650012"/>
+            <a:ext cx="3726469" cy="369332"/>
           </a:xfrm>
           <a:prstGeom prst="rect">
             <a:avLst/>
@@ -3093,7 +3102,23 @@
           <a:p>
             <a:r>
               <a:rPr lang="en-US" altLang="zh-CN" dirty="0" smtClean="0"/>
-              <a:t>(1) WQE = 1KB</a:t>
+              <a:t>(1) WQE = </a:t>
+            </a:r>
+            <a:r>
+              <a:rPr lang="en-US" altLang="zh-CN" dirty="0" smtClean="0"/>
+              <a:t>1KB</a:t>
+            </a:r>
+            <a:r>
+              <a:rPr lang="en-US" altLang="zh-CN" dirty="0" smtClean="0"/>
+              <a:t>, 32QP</a:t>
+            </a:r>
+            <a:r>
+              <a:rPr lang="zh-CN" altLang="en-US" dirty="0" smtClean="0"/>
+              <a:t>加速了</a:t>
+            </a:r>
+            <a:r>
+              <a:rPr lang="en-US" altLang="zh-CN" dirty="0" smtClean="0"/>
+              <a:t>20%-25%</a:t>
             </a:r>
             <a:endParaRPr lang="zh-CN" altLang="en-US" dirty="0"/>
           </a:p>
@@ -3107,8 +3132,8 @@
         </p:nvSpPr>
         <p:spPr>
           <a:xfrm>
-            <a:off x="5423976" y="4650012"/>
-            <a:ext cx="1666546" cy="369332"/>
+            <a:off x="4273274" y="4650012"/>
+            <a:ext cx="3686394" cy="369332"/>
           </a:xfrm>
           <a:prstGeom prst="rect">
             <a:avLst/>
@@ -3123,7 +3148,15 @@
           <a:p>
             <a:r>
               <a:rPr lang="en-US" altLang="zh-CN" dirty="0" smtClean="0"/>
-              <a:t>(2) WQE = 16KB</a:t>
+              <a:t>(2) WQE = </a:t>
+            </a:r>
+            <a:r>
+              <a:rPr lang="en-US" altLang="zh-CN" dirty="0" smtClean="0"/>
+              <a:t>16KB, 32QP</a:t>
+            </a:r>
+            <a:r>
+              <a:rPr lang="zh-CN" altLang="en-US" dirty="0" smtClean="0"/>
+              <a:t>基本没有加速</a:t>
             </a:r>
             <a:endParaRPr lang="zh-CN" altLang="en-US" dirty="0"/>
           </a:p>
@@ -3137,8 +3170,8 @@
         </p:nvSpPr>
         <p:spPr>
           <a:xfrm>
-            <a:off x="9442677" y="4650012"/>
-            <a:ext cx="1666546" cy="369332"/>
+            <a:off x="8425539" y="4650012"/>
+            <a:ext cx="3686394" cy="369332"/>
           </a:xfrm>
           <a:prstGeom prst="rect">
             <a:avLst/>
@@ -3153,7 +3186,15 @@
           <a:p>
             <a:r>
               <a:rPr lang="en-US" altLang="zh-CN" dirty="0" smtClean="0"/>
-              <a:t>(3) WQE = 64KB</a:t>
+              <a:t>(3) WQE = </a:t>
+            </a:r>
+            <a:r>
+              <a:rPr lang="en-US" altLang="zh-CN" dirty="0" smtClean="0"/>
+              <a:t>64KB, 32QP</a:t>
+            </a:r>
+            <a:r>
+              <a:rPr lang="zh-CN" altLang="en-US" dirty="0" smtClean="0"/>
+              <a:t>基本没有加速</a:t>
             </a:r>
             <a:endParaRPr lang="zh-CN" altLang="en-US" dirty="0"/>
           </a:p>
@@ -3167,7 +3208,7 @@
         </p:nvSpPr>
         <p:spPr>
           <a:xfrm>
-            <a:off x="534905" y="5170836"/>
+            <a:off x="545179" y="5386590"/>
             <a:ext cx="11122189" cy="1200329"/>
           </a:xfrm>
           <a:prstGeom prst="rect">
@@ -3427,7 +3468,46 @@
                   </a:outerShdw>
                 </a:effectLst>
               </a:rPr>
-              <a:t>没有加速效果。</a:t>
+              <a:t>没有加速</a:t>
+            </a:r>
+            <a:r>
+              <a:rPr lang="zh-CN" altLang="en-US" sz="2400" dirty="0" smtClean="0">
+                <a:ln w="0"/>
+                <a:effectLst>
+                  <a:outerShdw blurRad="38100" dist="19050" dir="2700000" algn="tl" rotWithShape="0">
+                    <a:schemeClr val="dk1">
+                      <a:alpha val="40000"/>
+                    </a:schemeClr>
+                  </a:outerShdw>
+                </a:effectLst>
+              </a:rPr>
+              <a:t>效果，也就是说此时不存在</a:t>
+            </a:r>
+            <a:r>
+              <a:rPr lang="en-US" altLang="zh-CN" sz="2400" dirty="0" smtClean="0">
+                <a:ln w="0"/>
+                <a:effectLst>
+                  <a:outerShdw blurRad="38100" dist="19050" dir="2700000" algn="tl" rotWithShape="0">
+                    <a:schemeClr val="dk1">
+                      <a:alpha val="40000"/>
+                    </a:schemeClr>
+                  </a:outerShdw>
+                </a:effectLst>
+              </a:rPr>
+              <a:t>work-conserving</a:t>
+            </a:r>
+            <a:r>
+              <a:rPr lang="zh-CN" altLang="en-US" sz="2400" dirty="0" smtClean="0">
+                <a:ln w="0"/>
+                <a:effectLst>
+                  <a:outerShdw blurRad="38100" dist="19050" dir="2700000" algn="tl" rotWithShape="0">
+                    <a:schemeClr val="dk1">
+                      <a:alpha val="40000"/>
+                    </a:schemeClr>
+                  </a:outerShdw>
+                </a:effectLst>
+              </a:rPr>
+              <a:t>。</a:t>
             </a:r>
             <a:endParaRPr lang="zh-CN" altLang="en-US" sz="2400" b="0" cap="none" spc="0" dirty="0">
               <a:ln w="0"/>
@@ -3442,6 +3522,68 @@
                 </a:outerShdw>
               </a:effectLst>
             </a:endParaRPr>
+          </a:p>
+        </p:txBody>
+      </p:sp>
+      <p:sp>
+        <p:nvSpPr>
+          <p:cNvPr id="2" name="文本框 1"/>
+          <p:cNvSpPr txBox="1"/>
+          <p:nvPr/>
+        </p:nvSpPr>
+        <p:spPr>
+          <a:xfrm>
+            <a:off x="3664090" y="1527367"/>
+            <a:ext cx="4657750" cy="369332"/>
+          </a:xfrm>
+          <a:prstGeom prst="rect">
+            <a:avLst/>
+          </a:prstGeom>
+          <a:noFill/>
+        </p:spPr>
+        <p:txBody>
+          <a:bodyPr wrap="none" rtlCol="0">
+            <a:spAutoFit/>
+          </a:bodyPr>
+          <a:lstStyle/>
+          <a:p>
+            <a:r>
+              <a:rPr lang="zh-CN" altLang="en-US" dirty="0" smtClean="0"/>
+              <a:t>在</a:t>
+            </a:r>
+            <a:r>
+              <a:rPr lang="en-US" altLang="zh-CN" dirty="0" smtClean="0"/>
+              <a:t>N</a:t>
+            </a:r>
+            <a:r>
+              <a:rPr lang="zh-CN" altLang="en-US" dirty="0" smtClean="0"/>
+              <a:t>个</a:t>
+            </a:r>
+            <a:r>
+              <a:rPr lang="en-US" altLang="zh-CN" dirty="0" smtClean="0"/>
+              <a:t>QP</a:t>
+            </a:r>
+            <a:r>
+              <a:rPr lang="zh-CN" altLang="en-US" dirty="0" smtClean="0"/>
+              <a:t>上发送</a:t>
+            </a:r>
+            <a:r>
+              <a:rPr lang="en-US" altLang="zh-CN" dirty="0" smtClean="0"/>
+              <a:t>1</a:t>
+            </a:r>
+            <a:r>
+              <a:rPr lang="zh-CN" altLang="en-US" dirty="0" smtClean="0"/>
+              <a:t>百万个</a:t>
+            </a:r>
+            <a:r>
+              <a:rPr lang="en-US" altLang="zh-CN" dirty="0" smtClean="0"/>
+              <a:t>WQE</a:t>
+            </a:r>
+            <a:r>
+              <a:rPr lang="zh-CN" altLang="en-US" dirty="0" smtClean="0"/>
+              <a:t>所需要的总时间</a:t>
+            </a:r>
+            <a:endParaRPr lang="zh-CN" altLang="en-US" dirty="0"/>
           </a:p>
         </p:txBody>
       </p:sp>
@@ -3579,7 +3721,19 @@
             </a:r>
             <a:r>
               <a:rPr lang="zh-CN" altLang="en-US" dirty="0" smtClean="0"/>
-              <a:t>就能把网卡带宽打满，这个时候多个</a:t>
+              <a:t>就能把</a:t>
+            </a:r>
+            <a:r>
+              <a:rPr lang="zh-CN" altLang="en-US" dirty="0" smtClean="0">
+                <a:solidFill>
+                  <a:srgbClr val="FF0000"/>
+                </a:solidFill>
+              </a:rPr>
+              <a:t>网卡带宽打满</a:t>
+            </a:r>
+            <a:r>
+              <a:rPr lang="zh-CN" altLang="en-US" dirty="0" smtClean="0"/>
+              <a:t>，这个时候多个</a:t>
             </a:r>
             <a:r>
               <a:rPr lang="en-US" altLang="zh-CN" dirty="0" smtClean="0"/>

--- a/RDMA_BENCH/QP_PU_test/multi-queue-accelerating-effect.pptx
+++ b/RDMA_BENCH/QP_PU_test/multi-queue-accelerating-effect.pptx
@@ -5,8 +5,9 @@
     <p:sldMasterId id="2147483648" r:id="rId1"/>
   </p:sldMasterIdLst>
   <p:sldIdLst>
-    <p:sldId id="257" r:id="rId2"/>
-    <p:sldId id="258" r:id="rId3"/>
+    <p:sldId id="260" r:id="rId2"/>
+    <p:sldId id="257" r:id="rId3"/>
+    <p:sldId id="258" r:id="rId4"/>
   </p:sldIdLst>
   <p:sldSz cx="12192000" cy="6858000"/>
   <p:notesSz cx="6858000" cy="9144000"/>
@@ -2972,6 +2973,463 @@
       </p:grpSpPr>
       <p:sp>
         <p:nvSpPr>
+          <p:cNvPr id="2" name="标题 1"/>
+          <p:cNvSpPr>
+            <a:spLocks noGrp="1"/>
+          </p:cNvSpPr>
+          <p:nvPr>
+            <p:ph type="title"/>
+          </p:nvPr>
+        </p:nvSpPr>
+        <p:spPr/>
+        <p:txBody>
+          <a:bodyPr/>
+          <a:lstStyle/>
+          <a:p>
+            <a:pPr algn="ctr"/>
+            <a:r>
+              <a:rPr lang="zh-CN" altLang="en-US" dirty="0" smtClean="0"/>
+              <a:t>流水线长度对不同数据块的加速效果</a:t>
+            </a:r>
+            <a:endParaRPr lang="zh-CN" altLang="en-US" dirty="0"/>
+          </a:p>
+        </p:txBody>
+      </p:sp>
+      <p:pic>
+        <p:nvPicPr>
+          <p:cNvPr id="4" name="图片 3"/>
+          <p:cNvPicPr>
+            <a:picLocks noChangeAspect="1"/>
+          </p:cNvPicPr>
+          <p:nvPr/>
+        </p:nvPicPr>
+        <p:blipFill>
+          <a:blip r:embed="rId2"/>
+          <a:stretch>
+            <a:fillRect/>
+          </a:stretch>
+        </p:blipFill>
+        <p:spPr>
+          <a:xfrm>
+            <a:off x="184934" y="2052892"/>
+            <a:ext cx="3773626" cy="2520000"/>
+          </a:xfrm>
+          <a:prstGeom prst="rect">
+            <a:avLst/>
+          </a:prstGeom>
+        </p:spPr>
+      </p:pic>
+      <p:sp>
+        <p:nvSpPr>
+          <p:cNvPr id="9" name="文本框 8"/>
+          <p:cNvSpPr txBox="1"/>
+          <p:nvPr/>
+        </p:nvSpPr>
+        <p:spPr>
+          <a:xfrm>
+            <a:off x="3664090" y="1527367"/>
+            <a:ext cx="4657750" cy="369332"/>
+          </a:xfrm>
+          <a:prstGeom prst="rect">
+            <a:avLst/>
+          </a:prstGeom>
+          <a:noFill/>
+        </p:spPr>
+        <p:txBody>
+          <a:bodyPr wrap="none" rtlCol="0">
+            <a:spAutoFit/>
+          </a:bodyPr>
+          <a:lstStyle/>
+          <a:p>
+            <a:r>
+              <a:rPr lang="zh-CN" altLang="en-US" dirty="0" smtClean="0"/>
+              <a:t>在</a:t>
+            </a:r>
+            <a:r>
+              <a:rPr lang="en-US" altLang="zh-CN" dirty="0"/>
+              <a:t>1</a:t>
+            </a:r>
+            <a:r>
+              <a:rPr lang="zh-CN" altLang="en-US" dirty="0" smtClean="0"/>
+              <a:t>个</a:t>
+            </a:r>
+            <a:r>
+              <a:rPr lang="en-US" altLang="zh-CN" dirty="0" smtClean="0"/>
+              <a:t>QP</a:t>
+            </a:r>
+            <a:r>
+              <a:rPr lang="zh-CN" altLang="en-US" dirty="0" smtClean="0"/>
+              <a:t>上发送</a:t>
+            </a:r>
+            <a:r>
+              <a:rPr lang="en-US" altLang="zh-CN" dirty="0" smtClean="0"/>
+              <a:t>1</a:t>
+            </a:r>
+            <a:r>
+              <a:rPr lang="zh-CN" altLang="en-US" dirty="0" smtClean="0"/>
+              <a:t>百万个</a:t>
+            </a:r>
+            <a:r>
+              <a:rPr lang="en-US" altLang="zh-CN" dirty="0" smtClean="0"/>
+              <a:t>WQE</a:t>
+            </a:r>
+            <a:r>
+              <a:rPr lang="zh-CN" altLang="en-US" dirty="0" smtClean="0"/>
+              <a:t>所需要的总时间</a:t>
+            </a:r>
+            <a:endParaRPr lang="zh-CN" altLang="en-US" dirty="0"/>
+          </a:p>
+        </p:txBody>
+      </p:sp>
+      <p:pic>
+        <p:nvPicPr>
+          <p:cNvPr id="10" name="图片 9"/>
+          <p:cNvPicPr>
+            <a:picLocks noChangeAspect="1"/>
+          </p:cNvPicPr>
+          <p:nvPr/>
+        </p:nvPicPr>
+        <p:blipFill>
+          <a:blip r:embed="rId3"/>
+          <a:stretch>
+            <a:fillRect/>
+          </a:stretch>
+        </p:blipFill>
+        <p:spPr>
+          <a:xfrm>
+            <a:off x="4235335" y="2052892"/>
+            <a:ext cx="3769377" cy="2520000"/>
+          </a:xfrm>
+          <a:prstGeom prst="rect">
+            <a:avLst/>
+          </a:prstGeom>
+        </p:spPr>
+      </p:pic>
+      <p:pic>
+        <p:nvPicPr>
+          <p:cNvPr id="11" name="图片 10"/>
+          <p:cNvPicPr>
+            <a:picLocks noChangeAspect="1"/>
+          </p:cNvPicPr>
+          <p:nvPr/>
+        </p:nvPicPr>
+        <p:blipFill>
+          <a:blip r:embed="rId4"/>
+          <a:stretch>
+            <a:fillRect/>
+          </a:stretch>
+        </p:blipFill>
+        <p:spPr>
+          <a:xfrm>
+            <a:off x="8250664" y="2052892"/>
+            <a:ext cx="3780000" cy="2520000"/>
+          </a:xfrm>
+          <a:prstGeom prst="rect">
+            <a:avLst/>
+          </a:prstGeom>
+        </p:spPr>
+      </p:pic>
+      <p:sp>
+        <p:nvSpPr>
+          <p:cNvPr id="12" name="文本框 11"/>
+          <p:cNvSpPr txBox="1"/>
+          <p:nvPr/>
+        </p:nvSpPr>
+        <p:spPr>
+          <a:xfrm>
+            <a:off x="467375" y="4750430"/>
+            <a:ext cx="2997039" cy="369332"/>
+          </a:xfrm>
+          <a:prstGeom prst="rect">
+            <a:avLst/>
+          </a:prstGeom>
+          <a:noFill/>
+        </p:spPr>
+        <p:txBody>
+          <a:bodyPr wrap="none" rtlCol="0">
+            <a:spAutoFit/>
+          </a:bodyPr>
+          <a:lstStyle/>
+          <a:p>
+            <a:r>
+              <a:rPr lang="en-US" altLang="zh-CN" dirty="0" smtClean="0"/>
+              <a:t>(1) WQE=1KB</a:t>
+            </a:r>
+            <a:r>
+              <a:rPr lang="zh-CN" altLang="en-US" dirty="0" smtClean="0"/>
+              <a:t>，最高加速</a:t>
+            </a:r>
+            <a:r>
+              <a:rPr lang="en-US" altLang="zh-CN" dirty="0" smtClean="0"/>
+              <a:t>92%</a:t>
+            </a:r>
+            <a:endParaRPr lang="zh-CN" altLang="en-US" dirty="0"/>
+          </a:p>
+        </p:txBody>
+      </p:sp>
+      <p:sp>
+        <p:nvSpPr>
+          <p:cNvPr id="13" name="文本框 12"/>
+          <p:cNvSpPr txBox="1"/>
+          <p:nvPr/>
+        </p:nvSpPr>
+        <p:spPr>
+          <a:xfrm>
+            <a:off x="4515651" y="4750430"/>
+            <a:ext cx="3114058" cy="369332"/>
+          </a:xfrm>
+          <a:prstGeom prst="rect">
+            <a:avLst/>
+          </a:prstGeom>
+          <a:noFill/>
+        </p:spPr>
+        <p:txBody>
+          <a:bodyPr wrap="none" rtlCol="0">
+            <a:spAutoFit/>
+          </a:bodyPr>
+          <a:lstStyle/>
+          <a:p>
+            <a:r>
+              <a:rPr lang="en-US" altLang="zh-CN" dirty="0" smtClean="0"/>
+              <a:t>(2) WQE=16KB</a:t>
+            </a:r>
+            <a:r>
+              <a:rPr lang="zh-CN" altLang="en-US" dirty="0" smtClean="0"/>
+              <a:t>，最高加速</a:t>
+            </a:r>
+            <a:r>
+              <a:rPr lang="en-US" altLang="zh-CN" dirty="0" smtClean="0"/>
+              <a:t>64%</a:t>
+            </a:r>
+            <a:endParaRPr lang="zh-CN" altLang="en-US" dirty="0"/>
+          </a:p>
+        </p:txBody>
+      </p:sp>
+      <p:sp>
+        <p:nvSpPr>
+          <p:cNvPr id="14" name="文本框 13"/>
+          <p:cNvSpPr txBox="1"/>
+          <p:nvPr/>
+        </p:nvSpPr>
+        <p:spPr>
+          <a:xfrm>
+            <a:off x="8536292" y="4750430"/>
+            <a:ext cx="3114058" cy="369332"/>
+          </a:xfrm>
+          <a:prstGeom prst="rect">
+            <a:avLst/>
+          </a:prstGeom>
+          <a:noFill/>
+        </p:spPr>
+        <p:txBody>
+          <a:bodyPr wrap="none" rtlCol="0">
+            <a:spAutoFit/>
+          </a:bodyPr>
+          <a:lstStyle/>
+          <a:p>
+            <a:r>
+              <a:rPr lang="en-US" altLang="zh-CN" dirty="0" smtClean="0"/>
+              <a:t>(3) WQE=64KB</a:t>
+            </a:r>
+            <a:r>
+              <a:rPr lang="zh-CN" altLang="en-US" dirty="0" smtClean="0"/>
+              <a:t>，最高加速</a:t>
+            </a:r>
+            <a:r>
+              <a:rPr lang="en-US" altLang="zh-CN" dirty="0" smtClean="0"/>
+              <a:t>44%</a:t>
+            </a:r>
+            <a:endParaRPr lang="zh-CN" altLang="en-US" dirty="0"/>
+          </a:p>
+        </p:txBody>
+      </p:sp>
+      <p:sp>
+        <p:nvSpPr>
+          <p:cNvPr id="15" name="矩形 14"/>
+          <p:cNvSpPr/>
+          <p:nvPr/>
+        </p:nvSpPr>
+        <p:spPr>
+          <a:xfrm>
+            <a:off x="186348" y="5678637"/>
+            <a:ext cx="11867351" cy="523220"/>
+          </a:xfrm>
+          <a:prstGeom prst="rect">
+            <a:avLst/>
+          </a:prstGeom>
+          <a:noFill/>
+        </p:spPr>
+        <p:txBody>
+          <a:bodyPr wrap="none" lIns="91440" tIns="45720" rIns="91440" bIns="45720">
+            <a:spAutoFit/>
+          </a:bodyPr>
+          <a:lstStyle/>
+          <a:p>
+            <a:pPr algn="ctr"/>
+            <a:r>
+              <a:rPr lang="zh-CN" altLang="en-US" sz="2800" dirty="0" smtClean="0">
+                <a:ln w="0"/>
+                <a:effectLst>
+                  <a:outerShdw blurRad="38100" dist="19050" dir="2700000" algn="tl" rotWithShape="0">
+                    <a:schemeClr val="dk1">
+                      <a:alpha val="40000"/>
+                    </a:schemeClr>
+                  </a:outerShdw>
+                </a:effectLst>
+              </a:rPr>
+              <a:t>结论：</a:t>
+            </a:r>
+            <a:r>
+              <a:rPr lang="en-US" altLang="zh-CN" sz="2800" dirty="0" smtClean="0">
+                <a:ln w="0"/>
+                <a:effectLst>
+                  <a:outerShdw blurRad="38100" dist="19050" dir="2700000" algn="tl" rotWithShape="0">
+                    <a:schemeClr val="dk1">
+                      <a:alpha val="40000"/>
+                    </a:schemeClr>
+                  </a:outerShdw>
+                </a:effectLst>
+              </a:rPr>
+              <a:t>QP</a:t>
+            </a:r>
+            <a:r>
+              <a:rPr lang="zh-CN" altLang="en-US" sz="2800" dirty="0" smtClean="0">
+                <a:ln w="0"/>
+                <a:solidFill>
+                  <a:srgbClr val="FF0000"/>
+                </a:solidFill>
+                <a:effectLst>
+                  <a:outerShdw blurRad="38100" dist="19050" dir="2700000" algn="tl" rotWithShape="0">
+                    <a:schemeClr val="dk1">
+                      <a:alpha val="40000"/>
+                    </a:schemeClr>
+                  </a:outerShdw>
+                </a:effectLst>
+              </a:rPr>
+              <a:t>流水线长度在</a:t>
+            </a:r>
+            <a:r>
+              <a:rPr lang="en-US" altLang="zh-CN" sz="2800" dirty="0" smtClean="0">
+                <a:ln w="0"/>
+                <a:solidFill>
+                  <a:srgbClr val="FF0000"/>
+                </a:solidFill>
+                <a:effectLst>
+                  <a:outerShdw blurRad="38100" dist="19050" dir="2700000" algn="tl" rotWithShape="0">
+                    <a:schemeClr val="dk1">
+                      <a:alpha val="40000"/>
+                    </a:schemeClr>
+                  </a:outerShdw>
+                </a:effectLst>
+              </a:rPr>
+              <a:t>32-64</a:t>
+            </a:r>
+            <a:r>
+              <a:rPr lang="zh-CN" altLang="en-US" sz="2800" dirty="0" smtClean="0">
+                <a:ln w="0"/>
+                <a:solidFill>
+                  <a:srgbClr val="FF0000"/>
+                </a:solidFill>
+                <a:effectLst>
+                  <a:outerShdw blurRad="38100" dist="19050" dir="2700000" algn="tl" rotWithShape="0">
+                    <a:schemeClr val="dk1">
+                      <a:alpha val="40000"/>
+                    </a:schemeClr>
+                  </a:outerShdw>
+                </a:effectLst>
+              </a:rPr>
+              <a:t>时</a:t>
+            </a:r>
+            <a:r>
+              <a:rPr lang="zh-CN" altLang="en-US" sz="2800" dirty="0" smtClean="0">
+                <a:ln w="0"/>
+                <a:effectLst>
+                  <a:outerShdw blurRad="38100" dist="19050" dir="2700000" algn="tl" rotWithShape="0">
+                    <a:schemeClr val="dk1">
+                      <a:alpha val="40000"/>
+                    </a:schemeClr>
+                  </a:outerShdw>
+                </a:effectLst>
+              </a:rPr>
+              <a:t>，对不同数据块的加速</a:t>
+            </a:r>
+            <a:r>
+              <a:rPr lang="zh-CN" altLang="en-US" sz="2800" dirty="0" smtClean="0">
+                <a:ln w="0"/>
+                <a:solidFill>
+                  <a:srgbClr val="FF0000"/>
+                </a:solidFill>
+                <a:effectLst>
+                  <a:outerShdw blurRad="38100" dist="19050" dir="2700000" algn="tl" rotWithShape="0">
+                    <a:schemeClr val="dk1">
+                      <a:alpha val="40000"/>
+                    </a:schemeClr>
+                  </a:outerShdw>
+                </a:effectLst>
+              </a:rPr>
+              <a:t>效果最佳</a:t>
+            </a:r>
+            <a:r>
+              <a:rPr lang="zh-CN" altLang="en-US" sz="2800" dirty="0" smtClean="0">
+                <a:ln w="0"/>
+                <a:effectLst>
+                  <a:outerShdw blurRad="38100" dist="19050" dir="2700000" algn="tl" rotWithShape="0">
+                    <a:schemeClr val="dk1">
+                      <a:alpha val="40000"/>
+                    </a:schemeClr>
+                  </a:outerShdw>
+                </a:effectLst>
+              </a:rPr>
+              <a:t>且趋于稳定</a:t>
+            </a:r>
+            <a:endParaRPr lang="zh-CN" altLang="en-US" sz="2800" b="0" cap="none" spc="0" dirty="0">
+              <a:ln w="0"/>
+              <a:solidFill>
+                <a:schemeClr val="tx1"/>
+              </a:solidFill>
+              <a:effectLst>
+                <a:outerShdw blurRad="38100" dist="19050" dir="2700000" algn="tl" rotWithShape="0">
+                  <a:schemeClr val="dk1">
+                    <a:alpha val="40000"/>
+                  </a:schemeClr>
+                </a:outerShdw>
+              </a:effectLst>
+            </a:endParaRPr>
+          </a:p>
+        </p:txBody>
+      </p:sp>
+    </p:spTree>
+    <p:extLst>
+      <p:ext uri="{BB962C8B-B14F-4D97-AF65-F5344CB8AC3E}">
+        <p14:creationId xmlns:p14="http://schemas.microsoft.com/office/powerpoint/2010/main" val="3049391469"/>
+      </p:ext>
+    </p:extLst>
+  </p:cSld>
+  <p:clrMapOvr>
+    <a:masterClrMapping/>
+  </p:clrMapOvr>
+</p:sld>
+</file>
+
+<file path=ppt/slides/slide2.xml><?xml version="1.0" encoding="utf-8"?>
+<p:sld xmlns:a="http://schemas.openxmlformats.org/drawingml/2006/main" xmlns:r="http://schemas.openxmlformats.org/officeDocument/2006/relationships" xmlns:p="http://schemas.openxmlformats.org/presentationml/2006/main">
+  <p:cSld>
+    <p:spTree>
+      <p:nvGrpSpPr>
+        <p:cNvPr id="1" name=""/>
+        <p:cNvGrpSpPr/>
+        <p:nvPr/>
+      </p:nvGrpSpPr>
+      <p:grpSpPr>
+        <a:xfrm>
+          <a:off x="0" y="0"/>
+          <a:ext cx="0" cy="0"/>
+          <a:chOff x="0" y="0"/>
+          <a:chExt cx="0" cy="0"/>
+        </a:xfrm>
+      </p:grpSpPr>
+      <p:sp>
+        <p:nvSpPr>
           <p:cNvPr id="4" name="标题 3"/>
           <p:cNvSpPr>
             <a:spLocks noGrp="1"/>
@@ -2996,11 +3454,7 @@
             </a:r>
             <a:r>
               <a:rPr lang="zh-CN" altLang="en-US" dirty="0" smtClean="0"/>
-              <a:t>对不同数据块的</a:t>
-            </a:r>
-            <a:r>
-              <a:rPr lang="zh-CN" altLang="en-US" dirty="0" smtClean="0"/>
-              <a:t>加速效果</a:t>
+              <a:t>对不同数据块的加速效果</a:t>
             </a:r>
             <a:endParaRPr lang="zh-CN" altLang="en-US" dirty="0"/>
           </a:p>
@@ -3102,15 +3556,7 @@
           <a:p>
             <a:r>
               <a:rPr lang="en-US" altLang="zh-CN" dirty="0" smtClean="0"/>
-              <a:t>(1) WQE = </a:t>
-            </a:r>
-            <a:r>
-              <a:rPr lang="en-US" altLang="zh-CN" dirty="0" smtClean="0"/>
-              <a:t>1KB</a:t>
-            </a:r>
-            <a:r>
-              <a:rPr lang="en-US" altLang="zh-CN" dirty="0" smtClean="0"/>
-              <a:t>, 32QP</a:t>
+              <a:t>(1) WQE = 1KB, 32QP</a:t>
             </a:r>
             <a:r>
               <a:rPr lang="zh-CN" altLang="en-US" dirty="0" smtClean="0"/>
@@ -3148,11 +3594,7 @@
           <a:p>
             <a:r>
               <a:rPr lang="en-US" altLang="zh-CN" dirty="0" smtClean="0"/>
-              <a:t>(2) WQE = </a:t>
-            </a:r>
-            <a:r>
-              <a:rPr lang="en-US" altLang="zh-CN" dirty="0" smtClean="0"/>
-              <a:t>16KB, 32QP</a:t>
+              <a:t>(2) WQE = 16KB, 32QP</a:t>
             </a:r>
             <a:r>
               <a:rPr lang="zh-CN" altLang="en-US" dirty="0" smtClean="0"/>
@@ -3186,11 +3628,7 @@
           <a:p>
             <a:r>
               <a:rPr lang="en-US" altLang="zh-CN" dirty="0" smtClean="0"/>
-              <a:t>(3) WQE = </a:t>
-            </a:r>
-            <a:r>
-              <a:rPr lang="en-US" altLang="zh-CN" dirty="0" smtClean="0"/>
-              <a:t>64KB, 32QP</a:t>
+              <a:t>(3) WQE = 64KB, 32QP</a:t>
             </a:r>
             <a:r>
               <a:rPr lang="zh-CN" altLang="en-US" dirty="0" smtClean="0"/>
@@ -3208,8 +3646,8 @@
         </p:nvSpPr>
         <p:spPr>
           <a:xfrm>
-            <a:off x="545179" y="5386590"/>
-            <a:ext cx="11122189" cy="1200329"/>
+            <a:off x="264359" y="5333427"/>
+            <a:ext cx="11566754" cy="1200329"/>
           </a:xfrm>
           <a:prstGeom prst="rect">
             <a:avLst/>
@@ -3234,7 +3672,308 @@
                   </a:outerShdw>
                 </a:effectLst>
               </a:rPr>
-              <a:t>结论：只有对很小的数据而言</a:t>
+              <a:t>结论：</a:t>
+            </a:r>
+            <a:r>
+              <a:rPr lang="zh-CN" altLang="en-US" sz="2400" dirty="0" smtClean="0">
+                <a:ln w="0"/>
+                <a:solidFill>
+                  <a:srgbClr val="FF0000"/>
+                </a:solidFill>
+                <a:effectLst>
+                  <a:outerShdw blurRad="38100" dist="19050" dir="2700000" algn="tl" rotWithShape="0">
+                    <a:schemeClr val="dk1">
+                      <a:alpha val="40000"/>
+                    </a:schemeClr>
+                  </a:outerShdw>
+                </a:effectLst>
+              </a:rPr>
+              <a:t>只有对很小的数据而言</a:t>
+            </a:r>
+            <a:r>
+              <a:rPr lang="en-US" altLang="zh-CN" sz="2400" dirty="0" smtClean="0">
+                <a:ln w="0"/>
+                <a:solidFill>
+                  <a:srgbClr val="FF0000"/>
+                </a:solidFill>
+                <a:effectLst>
+                  <a:outerShdw blurRad="38100" dist="19050" dir="2700000" algn="tl" rotWithShape="0">
+                    <a:schemeClr val="dk1">
+                      <a:alpha val="40000"/>
+                    </a:schemeClr>
+                  </a:outerShdw>
+                </a:effectLst>
+              </a:rPr>
+              <a:t>(</a:t>
+            </a:r>
+            <a:r>
+              <a:rPr lang="zh-CN" altLang="en-US" sz="2400" dirty="0" smtClean="0">
+                <a:ln w="0"/>
+                <a:solidFill>
+                  <a:srgbClr val="FF0000"/>
+                </a:solidFill>
+                <a:effectLst>
+                  <a:outerShdw blurRad="38100" dist="19050" dir="2700000" algn="tl" rotWithShape="0">
+                    <a:schemeClr val="dk1">
+                      <a:alpha val="40000"/>
+                    </a:schemeClr>
+                  </a:outerShdw>
+                </a:effectLst>
+              </a:rPr>
+              <a:t>即带宽没有打满</a:t>
+            </a:r>
+            <a:r>
+              <a:rPr lang="en-US" altLang="zh-CN" sz="2400" dirty="0" smtClean="0">
+                <a:ln w="0"/>
+                <a:solidFill>
+                  <a:srgbClr val="FF0000"/>
+                </a:solidFill>
+                <a:effectLst>
+                  <a:outerShdw blurRad="38100" dist="19050" dir="2700000" algn="tl" rotWithShape="0">
+                    <a:schemeClr val="dk1">
+                      <a:alpha val="40000"/>
+                    </a:schemeClr>
+                  </a:outerShdw>
+                </a:effectLst>
+              </a:rPr>
+              <a:t>)</a:t>
+            </a:r>
+            <a:r>
+              <a:rPr lang="zh-CN" altLang="en-US" sz="2400" dirty="0" smtClean="0">
+                <a:ln w="0"/>
+                <a:solidFill>
+                  <a:srgbClr val="FF0000"/>
+                </a:solidFill>
+                <a:effectLst>
+                  <a:outerShdw blurRad="38100" dist="19050" dir="2700000" algn="tl" rotWithShape="0">
+                    <a:schemeClr val="dk1">
+                      <a:alpha val="40000"/>
+                    </a:schemeClr>
+                  </a:outerShdw>
+                </a:effectLst>
+              </a:rPr>
+              <a:t>，</a:t>
+            </a:r>
+            <a:r>
+              <a:rPr lang="zh-CN" altLang="en-US" sz="2400" dirty="0">
+                <a:ln w="0"/>
+                <a:solidFill>
+                  <a:srgbClr val="FF0000"/>
+                </a:solidFill>
+                <a:effectLst>
+                  <a:outerShdw blurRad="38100" dist="19050" dir="2700000" algn="tl" rotWithShape="0">
+                    <a:schemeClr val="dk1">
+                      <a:alpha val="40000"/>
+                    </a:schemeClr>
+                  </a:outerShdw>
+                </a:effectLst>
+              </a:rPr>
+              <a:t>启用</a:t>
+            </a:r>
+            <a:r>
+              <a:rPr lang="zh-CN" altLang="en-US" sz="2400" dirty="0" smtClean="0">
+                <a:ln w="0"/>
+                <a:solidFill>
+                  <a:srgbClr val="FF0000"/>
+                </a:solidFill>
+                <a:effectLst>
+                  <a:outerShdw blurRad="38100" dist="19050" dir="2700000" algn="tl" rotWithShape="0">
+                    <a:schemeClr val="dk1">
+                      <a:alpha val="40000"/>
+                    </a:schemeClr>
+                  </a:outerShdw>
+                </a:effectLst>
+              </a:rPr>
+              <a:t>多个</a:t>
+            </a:r>
+            <a:r>
+              <a:rPr lang="en-US" altLang="zh-CN" sz="2400" dirty="0" smtClean="0">
+                <a:ln w="0"/>
+                <a:solidFill>
+                  <a:srgbClr val="FF0000"/>
+                </a:solidFill>
+                <a:effectLst>
+                  <a:outerShdw blurRad="38100" dist="19050" dir="2700000" algn="tl" rotWithShape="0">
+                    <a:schemeClr val="dk1">
+                      <a:alpha val="40000"/>
+                    </a:schemeClr>
+                  </a:outerShdw>
+                </a:effectLst>
+              </a:rPr>
+              <a:t>QP</a:t>
+            </a:r>
+            <a:r>
+              <a:rPr lang="en-US" altLang="zh-CN" sz="2400" dirty="0" smtClean="0">
+                <a:ln w="0"/>
+                <a:solidFill>
+                  <a:srgbClr val="FF0000"/>
+                </a:solidFill>
+                <a:effectLst>
+                  <a:outerShdw blurRad="38100" dist="19050" dir="2700000" algn="tl" rotWithShape="0">
+                    <a:schemeClr val="dk1">
+                      <a:alpha val="40000"/>
+                    </a:schemeClr>
+                  </a:outerShdw>
+                </a:effectLst>
+              </a:rPr>
+              <a:t>(4</a:t>
+            </a:r>
+            <a:r>
+              <a:rPr lang="zh-CN" altLang="en-US" sz="2400" dirty="0" smtClean="0">
+                <a:ln w="0"/>
+                <a:solidFill>
+                  <a:srgbClr val="FF0000"/>
+                </a:solidFill>
+                <a:effectLst>
+                  <a:outerShdw blurRad="38100" dist="19050" dir="2700000" algn="tl" rotWithShape="0">
+                    <a:schemeClr val="dk1">
+                      <a:alpha val="40000"/>
+                    </a:schemeClr>
+                  </a:outerShdw>
+                </a:effectLst>
+              </a:rPr>
+              <a:t>个最佳</a:t>
+            </a:r>
+            <a:r>
+              <a:rPr lang="en-US" altLang="zh-CN" sz="2400" dirty="0" smtClean="0">
+                <a:ln w="0"/>
+                <a:solidFill>
+                  <a:srgbClr val="FF0000"/>
+                </a:solidFill>
+                <a:effectLst>
+                  <a:outerShdw blurRad="38100" dist="19050" dir="2700000" algn="tl" rotWithShape="0">
+                    <a:schemeClr val="dk1">
+                      <a:alpha val="40000"/>
+                    </a:schemeClr>
+                  </a:outerShdw>
+                </a:effectLst>
+              </a:rPr>
+              <a:t>)</a:t>
+            </a:r>
+            <a:r>
+              <a:rPr lang="zh-CN" altLang="en-US" sz="2400" dirty="0" smtClean="0">
+                <a:ln w="0"/>
+                <a:solidFill>
+                  <a:srgbClr val="FF0000"/>
+                </a:solidFill>
+                <a:effectLst>
+                  <a:outerShdw blurRad="38100" dist="19050" dir="2700000" algn="tl" rotWithShape="0">
+                    <a:schemeClr val="dk1">
+                      <a:alpha val="40000"/>
+                    </a:schemeClr>
+                  </a:outerShdw>
+                </a:effectLst>
+              </a:rPr>
+              <a:t>和</a:t>
+            </a:r>
+            <a:r>
+              <a:rPr lang="zh-CN" altLang="en-US" sz="2400" dirty="0" smtClean="0">
+                <a:ln w="0"/>
+                <a:solidFill>
+                  <a:srgbClr val="FF0000"/>
+                </a:solidFill>
+                <a:effectLst>
+                  <a:outerShdw blurRad="38100" dist="19050" dir="2700000" algn="tl" rotWithShape="0">
+                    <a:schemeClr val="dk1">
+                      <a:alpha val="40000"/>
+                    </a:schemeClr>
+                  </a:outerShdw>
+                </a:effectLst>
+              </a:rPr>
+              <a:t>设置更长的</a:t>
+            </a:r>
+            <a:r>
+              <a:rPr lang="en-US" altLang="zh-CN" sz="2400" dirty="0" smtClean="0">
+                <a:ln w="0"/>
+                <a:solidFill>
+                  <a:srgbClr val="FF0000"/>
+                </a:solidFill>
+                <a:effectLst>
+                  <a:outerShdw blurRad="38100" dist="19050" dir="2700000" algn="tl" rotWithShape="0">
+                    <a:schemeClr val="dk1">
+                      <a:alpha val="40000"/>
+                    </a:schemeClr>
+                  </a:outerShdw>
+                </a:effectLst>
+              </a:rPr>
+              <a:t>pipeline(64</a:t>
+            </a:r>
+            <a:r>
+              <a:rPr lang="zh-CN" altLang="en-US" sz="2400" dirty="0" smtClean="0">
+                <a:ln w="0"/>
+                <a:solidFill>
+                  <a:srgbClr val="FF0000"/>
+                </a:solidFill>
+                <a:effectLst>
+                  <a:outerShdw blurRad="38100" dist="19050" dir="2700000" algn="tl" rotWithShape="0">
+                    <a:schemeClr val="dk1">
+                      <a:alpha val="40000"/>
+                    </a:schemeClr>
+                  </a:outerShdw>
+                </a:effectLst>
+              </a:rPr>
+              <a:t>足够</a:t>
+            </a:r>
+            <a:r>
+              <a:rPr lang="en-US" altLang="zh-CN" sz="2400" dirty="0" smtClean="0">
+                <a:ln w="0"/>
+                <a:solidFill>
+                  <a:srgbClr val="FF0000"/>
+                </a:solidFill>
+                <a:effectLst>
+                  <a:outerShdw blurRad="38100" dist="19050" dir="2700000" algn="tl" rotWithShape="0">
+                    <a:schemeClr val="dk1">
+                      <a:alpha val="40000"/>
+                    </a:schemeClr>
+                  </a:outerShdw>
+                </a:effectLst>
+              </a:rPr>
+              <a:t>)</a:t>
+            </a:r>
+            <a:r>
+              <a:rPr lang="zh-CN" altLang="en-US" sz="2400" dirty="0" smtClean="0">
+                <a:ln w="0"/>
+                <a:solidFill>
+                  <a:srgbClr val="FF0000"/>
+                </a:solidFill>
+                <a:effectLst>
+                  <a:outerShdw blurRad="38100" dist="19050" dir="2700000" algn="tl" rotWithShape="0">
+                    <a:schemeClr val="dk1">
+                      <a:alpha val="40000"/>
+                    </a:schemeClr>
+                  </a:outerShdw>
+                </a:effectLst>
+              </a:rPr>
+              <a:t>有</a:t>
+            </a:r>
+            <a:r>
+              <a:rPr lang="zh-CN" altLang="en-US" sz="2400" dirty="0" smtClean="0">
+                <a:ln w="0"/>
+                <a:solidFill>
+                  <a:srgbClr val="FF0000"/>
+                </a:solidFill>
+                <a:effectLst>
+                  <a:outerShdw blurRad="38100" dist="19050" dir="2700000" algn="tl" rotWithShape="0">
+                    <a:schemeClr val="dk1">
+                      <a:alpha val="40000"/>
+                    </a:schemeClr>
+                  </a:outerShdw>
+                </a:effectLst>
+              </a:rPr>
+              <a:t>加速效果</a:t>
+            </a:r>
+            <a:r>
+              <a:rPr lang="zh-CN" altLang="en-US" sz="2400" dirty="0" smtClean="0">
+                <a:ln w="0"/>
+                <a:effectLst>
+                  <a:outerShdw blurRad="38100" dist="19050" dir="2700000" algn="tl" rotWithShape="0">
+                    <a:schemeClr val="dk1">
+                      <a:alpha val="40000"/>
+                    </a:schemeClr>
+                  </a:outerShdw>
+                </a:effectLst>
+              </a:rPr>
+              <a:t>，稍微大一点，</a:t>
             </a:r>
             <a:r>
               <a:rPr lang="en-US" altLang="zh-CN" sz="2400" dirty="0" smtClean="0">
@@ -3247,7 +3986,7 @@
                   </a:outerShdw>
                 </a:effectLst>
               </a:rPr>
-              <a:t>(</a:t>
+              <a:t>16KB</a:t>
             </a:r>
             <a:r>
               <a:rPr lang="zh-CN" altLang="en-US" sz="2400" dirty="0" smtClean="0">
@@ -3260,7 +3999,7 @@
                   </a:outerShdw>
                 </a:effectLst>
               </a:rPr>
-              <a:t>即带宽没有打满</a:t>
+              <a:t>的时候，较低的</a:t>
             </a:r>
             <a:r>
               <a:rPr lang="en-US" altLang="zh-CN" sz="2400" dirty="0" smtClean="0">
@@ -3273,7 +4012,7 @@
                   </a:outerShdw>
                 </a:effectLst>
               </a:rPr>
-              <a:t>)</a:t>
+              <a:t>pipeline</a:t>
             </a:r>
             <a:r>
               <a:rPr lang="zh-CN" altLang="en-US" sz="2400" dirty="0" smtClean="0">
@@ -3286,33 +4025,7 @@
                   </a:outerShdw>
                 </a:effectLst>
               </a:rPr>
-              <a:t>，</a:t>
-            </a:r>
-            <a:r>
-              <a:rPr lang="zh-CN" altLang="en-US" sz="2400" dirty="0">
-                <a:ln w="0"/>
-                <a:effectLst>
-                  <a:outerShdw blurRad="38100" dist="19050" dir="2700000" algn="tl" rotWithShape="0">
-                    <a:schemeClr val="dk1">
-                      <a:alpha val="40000"/>
-                    </a:schemeClr>
-                  </a:outerShdw>
-                </a:effectLst>
-              </a:rPr>
-              <a:t>启用</a:t>
-            </a:r>
-            <a:r>
-              <a:rPr lang="zh-CN" altLang="en-US" sz="2400" dirty="0" smtClean="0">
-                <a:ln w="0"/>
-                <a:effectLst>
-                  <a:outerShdw blurRad="38100" dist="19050" dir="2700000" algn="tl" rotWithShape="0">
-                    <a:schemeClr val="dk1">
-                      <a:alpha val="40000"/>
-                    </a:schemeClr>
-                  </a:outerShdw>
-                </a:effectLst>
-              </a:rPr>
-              <a:t>多个</a:t>
+              <a:t>就把网卡带宽打满了，多个</a:t>
             </a:r>
             <a:r>
               <a:rPr lang="en-US" altLang="zh-CN" sz="2400" dirty="0" smtClean="0">
@@ -3338,7 +4051,7 @@
                   </a:outerShdw>
                 </a:effectLst>
               </a:rPr>
-              <a:t>和设置更长的</a:t>
+              <a:t>和长</a:t>
             </a:r>
             <a:r>
               <a:rPr lang="en-US" altLang="zh-CN" sz="2400" dirty="0" smtClean="0">
@@ -3364,7 +4077,33 @@
                   </a:outerShdw>
                 </a:effectLst>
               </a:rPr>
-              <a:t>有加速效果，稍微大一点，</a:t>
+              <a:t>没有加速效果，也就是说</a:t>
+            </a:r>
+            <a:r>
+              <a:rPr lang="zh-CN" altLang="en-US" sz="2400" dirty="0" smtClean="0">
+                <a:ln w="0"/>
+                <a:effectLst>
+                  <a:outerShdw blurRad="38100" dist="19050" dir="2700000" algn="tl" rotWithShape="0">
+                    <a:schemeClr val="dk1">
+                      <a:alpha val="40000"/>
+                    </a:schemeClr>
+                  </a:outerShdw>
+                </a:effectLst>
+              </a:rPr>
+              <a:t>此时</a:t>
+            </a:r>
+            <a:r>
+              <a:rPr lang="zh-CN" altLang="en-US" sz="2400" dirty="0">
+                <a:ln w="0"/>
+                <a:effectLst>
+                  <a:outerShdw blurRad="38100" dist="19050" dir="2700000" algn="tl" rotWithShape="0">
+                    <a:schemeClr val="dk1">
+                      <a:alpha val="40000"/>
+                    </a:schemeClr>
+                  </a:outerShdw>
+                </a:effectLst>
+              </a:rPr>
+              <a:t>没有</a:t>
             </a:r>
             <a:r>
               <a:rPr lang="en-US" altLang="zh-CN" sz="2400" dirty="0" smtClean="0">
@@ -3377,7 +4116,7 @@
                   </a:outerShdw>
                 </a:effectLst>
               </a:rPr>
-              <a:t>16KB</a:t>
+              <a:t>work</a:t>
             </a:r>
             <a:r>
               <a:rPr lang="zh-CN" altLang="en-US" sz="2400" dirty="0" smtClean="0">
@@ -3390,7 +4129,7 @@
                   </a:outerShdw>
                 </a:effectLst>
               </a:rPr>
-              <a:t>的时候，较低的</a:t>
+              <a:t>可以</a:t>
             </a:r>
             <a:r>
               <a:rPr lang="en-US" altLang="zh-CN" sz="2400" dirty="0" smtClean="0">
@@ -3403,98 +4142,7 @@
                   </a:outerShdw>
                 </a:effectLst>
               </a:rPr>
-              <a:t>pipeline</a:t>
-            </a:r>
-            <a:r>
-              <a:rPr lang="zh-CN" altLang="en-US" sz="2400" dirty="0" smtClean="0">
-                <a:ln w="0"/>
-                <a:effectLst>
-                  <a:outerShdw blurRad="38100" dist="19050" dir="2700000" algn="tl" rotWithShape="0">
-                    <a:schemeClr val="dk1">
-                      <a:alpha val="40000"/>
-                    </a:schemeClr>
-                  </a:outerShdw>
-                </a:effectLst>
-              </a:rPr>
-              <a:t>就把网卡带宽打满了，多个</a:t>
-            </a:r>
-            <a:r>
-              <a:rPr lang="en-US" altLang="zh-CN" sz="2400" dirty="0" smtClean="0">
-                <a:ln w="0"/>
-                <a:effectLst>
-                  <a:outerShdw blurRad="38100" dist="19050" dir="2700000" algn="tl" rotWithShape="0">
-                    <a:schemeClr val="dk1">
-                      <a:alpha val="40000"/>
-                    </a:schemeClr>
-                  </a:outerShdw>
-                </a:effectLst>
-              </a:rPr>
-              <a:t>QP</a:t>
-            </a:r>
-            <a:r>
-              <a:rPr lang="zh-CN" altLang="en-US" sz="2400" dirty="0" smtClean="0">
-                <a:ln w="0"/>
-                <a:effectLst>
-                  <a:outerShdw blurRad="38100" dist="19050" dir="2700000" algn="tl" rotWithShape="0">
-                    <a:schemeClr val="dk1">
-                      <a:alpha val="40000"/>
-                    </a:schemeClr>
-                  </a:outerShdw>
-                </a:effectLst>
-              </a:rPr>
-              <a:t>和长</a:t>
-            </a:r>
-            <a:r>
-              <a:rPr lang="en-US" altLang="zh-CN" sz="2400" dirty="0" smtClean="0">
-                <a:ln w="0"/>
-                <a:effectLst>
-                  <a:outerShdw blurRad="38100" dist="19050" dir="2700000" algn="tl" rotWithShape="0">
-                    <a:schemeClr val="dk1">
-                      <a:alpha val="40000"/>
-                    </a:schemeClr>
-                  </a:outerShdw>
-                </a:effectLst>
-              </a:rPr>
-              <a:t>pipeline</a:t>
-            </a:r>
-            <a:r>
-              <a:rPr lang="zh-CN" altLang="en-US" sz="2400" dirty="0" smtClean="0">
-                <a:ln w="0"/>
-                <a:effectLst>
-                  <a:outerShdw blurRad="38100" dist="19050" dir="2700000" algn="tl" rotWithShape="0">
-                    <a:schemeClr val="dk1">
-                      <a:alpha val="40000"/>
-                    </a:schemeClr>
-                  </a:outerShdw>
-                </a:effectLst>
-              </a:rPr>
-              <a:t>没有加速</a:t>
-            </a:r>
-            <a:r>
-              <a:rPr lang="zh-CN" altLang="en-US" sz="2400" dirty="0" smtClean="0">
-                <a:ln w="0"/>
-                <a:effectLst>
-                  <a:outerShdw blurRad="38100" dist="19050" dir="2700000" algn="tl" rotWithShape="0">
-                    <a:schemeClr val="dk1">
-                      <a:alpha val="40000"/>
-                    </a:schemeClr>
-                  </a:outerShdw>
-                </a:effectLst>
-              </a:rPr>
-              <a:t>效果，也就是说此时不存在</a:t>
-            </a:r>
-            <a:r>
-              <a:rPr lang="en-US" altLang="zh-CN" sz="2400" dirty="0" smtClean="0">
-                <a:ln w="0"/>
-                <a:effectLst>
-                  <a:outerShdw blurRad="38100" dist="19050" dir="2700000" algn="tl" rotWithShape="0">
-                    <a:schemeClr val="dk1">
-                      <a:alpha val="40000"/>
-                    </a:schemeClr>
-                  </a:outerShdw>
-                </a:effectLst>
-              </a:rPr>
-              <a:t>work-conserving</a:t>
+              <a:t>conserving</a:t>
             </a:r>
             <a:r>
               <a:rPr lang="zh-CN" altLang="en-US" sz="2400" dirty="0" smtClean="0">
@@ -3600,7 +4248,7 @@
 </p:sld>
 </file>
 
-<file path=ppt/slides/slide2.xml><?xml version="1.0" encoding="utf-8"?>
+<file path=ppt/slides/slide3.xml><?xml version="1.0" encoding="utf-8"?>
 <p:sld xmlns:a="http://schemas.openxmlformats.org/drawingml/2006/main" xmlns:r="http://schemas.openxmlformats.org/officeDocument/2006/relationships" xmlns:p="http://schemas.openxmlformats.org/presentationml/2006/main">
   <p:cSld>
     <p:spTree>
